--- a/memes/sources/meme-raw-sources.pptx
+++ b/memes/sources/meme-raw-sources.pptx
@@ -8,6 +8,8 @@
     <p:sldId id="256" r:id="rId2"/>
     <p:sldId id="258" r:id="rId3"/>
     <p:sldId id="257" r:id="rId4"/>
+    <p:sldId id="260" r:id="rId5"/>
+    <p:sldId id="261" r:id="rId6"/>
   </p:sldIdLst>
   <p:sldSz cx="12192000" cy="6858000"/>
   <p:notesSz cx="6858000" cy="9144000"/>
@@ -261,7 +263,7 @@
           <a:p>
             <a:fld id="{5F79A551-77B6-4CCB-BEF2-70F188A959B6}" type="datetimeFigureOut">
               <a:rPr lang="en-US" smtClean="0"/>
-              <a:t>9/3/2021</a:t>
+              <a:t>10/10/2021</a:t>
             </a:fld>
             <a:endParaRPr lang="en-US"/>
           </a:p>
@@ -459,7 +461,7 @@
           <a:p>
             <a:fld id="{5F79A551-77B6-4CCB-BEF2-70F188A959B6}" type="datetimeFigureOut">
               <a:rPr lang="en-US" smtClean="0"/>
-              <a:t>9/3/2021</a:t>
+              <a:t>10/10/2021</a:t>
             </a:fld>
             <a:endParaRPr lang="en-US"/>
           </a:p>
@@ -667,7 +669,7 @@
           <a:p>
             <a:fld id="{5F79A551-77B6-4CCB-BEF2-70F188A959B6}" type="datetimeFigureOut">
               <a:rPr lang="en-US" smtClean="0"/>
-              <a:t>9/3/2021</a:t>
+              <a:t>10/10/2021</a:t>
             </a:fld>
             <a:endParaRPr lang="en-US"/>
           </a:p>
@@ -865,7 +867,7 @@
           <a:p>
             <a:fld id="{5F79A551-77B6-4CCB-BEF2-70F188A959B6}" type="datetimeFigureOut">
               <a:rPr lang="en-US" smtClean="0"/>
-              <a:t>9/3/2021</a:t>
+              <a:t>10/10/2021</a:t>
             </a:fld>
             <a:endParaRPr lang="en-US"/>
           </a:p>
@@ -1140,7 +1142,7 @@
           <a:p>
             <a:fld id="{5F79A551-77B6-4CCB-BEF2-70F188A959B6}" type="datetimeFigureOut">
               <a:rPr lang="en-US" smtClean="0"/>
-              <a:t>9/3/2021</a:t>
+              <a:t>10/10/2021</a:t>
             </a:fld>
             <a:endParaRPr lang="en-US"/>
           </a:p>
@@ -1405,7 +1407,7 @@
           <a:p>
             <a:fld id="{5F79A551-77B6-4CCB-BEF2-70F188A959B6}" type="datetimeFigureOut">
               <a:rPr lang="en-US" smtClean="0"/>
-              <a:t>9/3/2021</a:t>
+              <a:t>10/10/2021</a:t>
             </a:fld>
             <a:endParaRPr lang="en-US"/>
           </a:p>
@@ -1817,7 +1819,7 @@
           <a:p>
             <a:fld id="{5F79A551-77B6-4CCB-BEF2-70F188A959B6}" type="datetimeFigureOut">
               <a:rPr lang="en-US" smtClean="0"/>
-              <a:t>9/3/2021</a:t>
+              <a:t>10/10/2021</a:t>
             </a:fld>
             <a:endParaRPr lang="en-US"/>
           </a:p>
@@ -1958,7 +1960,7 @@
           <a:p>
             <a:fld id="{5F79A551-77B6-4CCB-BEF2-70F188A959B6}" type="datetimeFigureOut">
               <a:rPr lang="en-US" smtClean="0"/>
-              <a:t>9/3/2021</a:t>
+              <a:t>10/10/2021</a:t>
             </a:fld>
             <a:endParaRPr lang="en-US"/>
           </a:p>
@@ -2071,7 +2073,7 @@
           <a:p>
             <a:fld id="{5F79A551-77B6-4CCB-BEF2-70F188A959B6}" type="datetimeFigureOut">
               <a:rPr lang="en-US" smtClean="0"/>
-              <a:t>9/3/2021</a:t>
+              <a:t>10/10/2021</a:t>
             </a:fld>
             <a:endParaRPr lang="en-US"/>
           </a:p>
@@ -2382,7 +2384,7 @@
           <a:p>
             <a:fld id="{5F79A551-77B6-4CCB-BEF2-70F188A959B6}" type="datetimeFigureOut">
               <a:rPr lang="en-US" smtClean="0"/>
-              <a:t>9/3/2021</a:t>
+              <a:t>10/10/2021</a:t>
             </a:fld>
             <a:endParaRPr lang="en-US"/>
           </a:p>
@@ -2670,7 +2672,7 @@
           <a:p>
             <a:fld id="{5F79A551-77B6-4CCB-BEF2-70F188A959B6}" type="datetimeFigureOut">
               <a:rPr lang="en-US" smtClean="0"/>
-              <a:t>9/3/2021</a:t>
+              <a:t>10/10/2021</a:t>
             </a:fld>
             <a:endParaRPr lang="en-US"/>
           </a:p>
@@ -2911,7 +2913,7 @@
           <a:p>
             <a:fld id="{5F79A551-77B6-4CCB-BEF2-70F188A959B6}" type="datetimeFigureOut">
               <a:rPr lang="en-US" smtClean="0"/>
-              <a:t>9/3/2021</a:t>
+              <a:t>10/10/2021</a:t>
             </a:fld>
             <a:endParaRPr lang="en-US"/>
           </a:p>
@@ -3894,6 +3896,1076 @@
 </p:sld>
 </file>
 
+<file path=ppt/slides/slide4.xml><?xml version="1.0" encoding="utf-8"?>
+<p:sld xmlns:a="http://schemas.openxmlformats.org/drawingml/2006/main" xmlns:r="http://schemas.openxmlformats.org/officeDocument/2006/relationships" xmlns:p="http://schemas.openxmlformats.org/presentationml/2006/main">
+  <p:cSld>
+    <p:spTree>
+      <p:nvGrpSpPr>
+        <p:cNvPr id="1" name=""/>
+        <p:cNvGrpSpPr/>
+        <p:nvPr/>
+      </p:nvGrpSpPr>
+      <p:grpSpPr>
+        <a:xfrm>
+          <a:off x="0" y="0"/>
+          <a:ext cx="0" cy="0"/>
+          <a:chOff x="0" y="0"/>
+          <a:chExt cx="0" cy="0"/>
+        </a:xfrm>
+      </p:grpSpPr>
+      <p:pic>
+        <p:nvPicPr>
+          <p:cNvPr id="4" name="Picture 3">
+            <a:extLst>
+              <a:ext uri="{FF2B5EF4-FFF2-40B4-BE49-F238E27FC236}">
+                <a16:creationId xmlns:a16="http://schemas.microsoft.com/office/drawing/2014/main" id="{47C0C24F-F4BF-4B88-9730-8C25A9D97CA8}"/>
+              </a:ext>
+            </a:extLst>
+          </p:cNvPr>
+          <p:cNvPicPr>
+            <a:picLocks noChangeAspect="1"/>
+          </p:cNvPicPr>
+          <p:nvPr/>
+        </p:nvPicPr>
+        <p:blipFill>
+          <a:blip r:embed="rId2"/>
+          <a:stretch>
+            <a:fillRect/>
+          </a:stretch>
+        </p:blipFill>
+        <p:spPr>
+          <a:xfrm>
+            <a:off x="2083972" y="645881"/>
+            <a:ext cx="5656394" cy="5656394"/>
+          </a:xfrm>
+          <a:prstGeom prst="rect">
+            <a:avLst/>
+          </a:prstGeom>
+        </p:spPr>
+      </p:pic>
+      <p:sp>
+        <p:nvSpPr>
+          <p:cNvPr id="5" name="TextBox 4">
+            <a:extLst>
+              <a:ext uri="{FF2B5EF4-FFF2-40B4-BE49-F238E27FC236}">
+                <a16:creationId xmlns:a16="http://schemas.microsoft.com/office/drawing/2014/main" id="{85671C6E-A454-4A6A-9F9D-74BFE2684B56}"/>
+              </a:ext>
+            </a:extLst>
+          </p:cNvPr>
+          <p:cNvSpPr txBox="1"/>
+          <p:nvPr/>
+        </p:nvSpPr>
+        <p:spPr>
+          <a:xfrm>
+            <a:off x="3671210" y="967787"/>
+            <a:ext cx="1241357" cy="369332"/>
+          </a:xfrm>
+          <a:prstGeom prst="rect">
+            <a:avLst/>
+          </a:prstGeom>
+          <a:noFill/>
+        </p:spPr>
+        <p:txBody>
+          <a:bodyPr wrap="square" rtlCol="0">
+            <a:spAutoFit/>
+          </a:bodyPr>
+          <a:lstStyle/>
+          <a:p>
+            <a:r>
+              <a:rPr lang="en-US" dirty="0">
+                <a:ln>
+                  <a:solidFill>
+                    <a:schemeClr val="bg1">
+                      <a:lumMod val="50000"/>
+                    </a:schemeClr>
+                  </a:solidFill>
+                </a:ln>
+                <a:solidFill>
+                  <a:schemeClr val="bg1"/>
+                </a:solidFill>
+                <a:latin typeface="Impact" panose="020B0806030902050204" pitchFamily="34" charset="0"/>
+              </a:rPr>
+              <a:t>R/PYTHON</a:t>
+            </a:r>
+          </a:p>
+        </p:txBody>
+      </p:sp>
+      <p:sp>
+        <p:nvSpPr>
+          <p:cNvPr id="8" name="TextBox 7">
+            <a:extLst>
+              <a:ext uri="{FF2B5EF4-FFF2-40B4-BE49-F238E27FC236}">
+                <a16:creationId xmlns:a16="http://schemas.microsoft.com/office/drawing/2014/main" id="{92C9B630-0C79-4268-9D1A-470F28DE635D}"/>
+              </a:ext>
+            </a:extLst>
+          </p:cNvPr>
+          <p:cNvSpPr txBox="1"/>
+          <p:nvPr/>
+        </p:nvSpPr>
+        <p:spPr>
+          <a:xfrm>
+            <a:off x="5115900" y="1188411"/>
+            <a:ext cx="1241357" cy="369332"/>
+          </a:xfrm>
+          <a:prstGeom prst="rect">
+            <a:avLst/>
+          </a:prstGeom>
+          <a:noFill/>
+        </p:spPr>
+        <p:txBody>
+          <a:bodyPr wrap="square" rtlCol="0">
+            <a:spAutoFit/>
+          </a:bodyPr>
+          <a:lstStyle/>
+          <a:p>
+            <a:r>
+              <a:rPr lang="en-US" dirty="0">
+                <a:ln>
+                  <a:solidFill>
+                    <a:schemeClr val="bg1">
+                      <a:lumMod val="50000"/>
+                    </a:schemeClr>
+                  </a:solidFill>
+                </a:ln>
+                <a:solidFill>
+                  <a:schemeClr val="bg1"/>
+                </a:solidFill>
+                <a:latin typeface="Impact" panose="020B0806030902050204" pitchFamily="34" charset="0"/>
+              </a:rPr>
+              <a:t>R/PYTHON</a:t>
+            </a:r>
+          </a:p>
+        </p:txBody>
+      </p:sp>
+      <p:sp>
+        <p:nvSpPr>
+          <p:cNvPr id="9" name="TextBox 8">
+            <a:extLst>
+              <a:ext uri="{FF2B5EF4-FFF2-40B4-BE49-F238E27FC236}">
+                <a16:creationId xmlns:a16="http://schemas.microsoft.com/office/drawing/2014/main" id="{992618A6-E742-4829-AA97-DA4FDA4CD98D}"/>
+              </a:ext>
+            </a:extLst>
+          </p:cNvPr>
+          <p:cNvSpPr txBox="1"/>
+          <p:nvPr/>
+        </p:nvSpPr>
+        <p:spPr>
+          <a:xfrm>
+            <a:off x="6210692" y="645881"/>
+            <a:ext cx="1241357" cy="646331"/>
+          </a:xfrm>
+          <a:prstGeom prst="rect">
+            <a:avLst/>
+          </a:prstGeom>
+          <a:noFill/>
+        </p:spPr>
+        <p:txBody>
+          <a:bodyPr wrap="square" rtlCol="0">
+            <a:spAutoFit/>
+          </a:bodyPr>
+          <a:lstStyle/>
+          <a:p>
+            <a:r>
+              <a:rPr lang="en-US" dirty="0">
+                <a:ln>
+                  <a:solidFill>
+                    <a:schemeClr val="bg1">
+                      <a:lumMod val="50000"/>
+                    </a:schemeClr>
+                  </a:solidFill>
+                </a:ln>
+                <a:solidFill>
+                  <a:schemeClr val="bg1"/>
+                </a:solidFill>
+                <a:latin typeface="Impact" panose="020B0806030902050204" pitchFamily="34" charset="0"/>
+              </a:rPr>
+              <a:t>DATA ANALYSTS</a:t>
+            </a:r>
+          </a:p>
+        </p:txBody>
+      </p:sp>
+      <p:sp>
+        <p:nvSpPr>
+          <p:cNvPr id="10" name="TextBox 9">
+            <a:extLst>
+              <a:ext uri="{FF2B5EF4-FFF2-40B4-BE49-F238E27FC236}">
+                <a16:creationId xmlns:a16="http://schemas.microsoft.com/office/drawing/2014/main" id="{D8F462DE-84FB-4C97-9DCA-E550CB448BF2}"/>
+              </a:ext>
+            </a:extLst>
+          </p:cNvPr>
+          <p:cNvSpPr txBox="1"/>
+          <p:nvPr/>
+        </p:nvSpPr>
+        <p:spPr>
+          <a:xfrm>
+            <a:off x="2899879" y="3718763"/>
+            <a:ext cx="1241357" cy="369332"/>
+          </a:xfrm>
+          <a:prstGeom prst="rect">
+            <a:avLst/>
+          </a:prstGeom>
+          <a:noFill/>
+        </p:spPr>
+        <p:txBody>
+          <a:bodyPr wrap="square" rtlCol="0">
+            <a:spAutoFit/>
+          </a:bodyPr>
+          <a:lstStyle/>
+          <a:p>
+            <a:r>
+              <a:rPr lang="en-US">
+                <a:ln>
+                  <a:solidFill>
+                    <a:schemeClr val="bg1">
+                      <a:lumMod val="50000"/>
+                    </a:schemeClr>
+                  </a:solidFill>
+                </a:ln>
+                <a:solidFill>
+                  <a:schemeClr val="bg1"/>
+                </a:solidFill>
+                <a:latin typeface="Impact" panose="020B0806030902050204" pitchFamily="34" charset="0"/>
+              </a:rPr>
+              <a:t>R/PYTHON</a:t>
+            </a:r>
+            <a:endParaRPr lang="en-US" dirty="0">
+              <a:ln>
+                <a:solidFill>
+                  <a:schemeClr val="bg1">
+                    <a:lumMod val="50000"/>
+                  </a:schemeClr>
+                </a:solidFill>
+              </a:ln>
+              <a:solidFill>
+                <a:schemeClr val="bg1"/>
+              </a:solidFill>
+              <a:latin typeface="Impact" panose="020B0806030902050204" pitchFamily="34" charset="0"/>
+            </a:endParaRPr>
+          </a:p>
+        </p:txBody>
+      </p:sp>
+      <p:sp>
+        <p:nvSpPr>
+          <p:cNvPr id="11" name="TextBox 10">
+            <a:extLst>
+              <a:ext uri="{FF2B5EF4-FFF2-40B4-BE49-F238E27FC236}">
+                <a16:creationId xmlns:a16="http://schemas.microsoft.com/office/drawing/2014/main" id="{ECFFD07E-7B1B-4547-9CB9-A7CE1FAED16B}"/>
+              </a:ext>
+            </a:extLst>
+          </p:cNvPr>
+          <p:cNvSpPr txBox="1"/>
+          <p:nvPr/>
+        </p:nvSpPr>
+        <p:spPr>
+          <a:xfrm>
+            <a:off x="4902439" y="5051132"/>
+            <a:ext cx="1511559" cy="523220"/>
+          </a:xfrm>
+          <a:prstGeom prst="rect">
+            <a:avLst/>
+          </a:prstGeom>
+          <a:noFill/>
+        </p:spPr>
+        <p:txBody>
+          <a:bodyPr wrap="square" rtlCol="0">
+            <a:spAutoFit/>
+          </a:bodyPr>
+          <a:lstStyle/>
+          <a:p>
+            <a:r>
+              <a:rPr lang="en-US" sz="1400" dirty="0">
+                <a:ln>
+                  <a:solidFill>
+                    <a:schemeClr val="bg1">
+                      <a:lumMod val="50000"/>
+                    </a:schemeClr>
+                  </a:solidFill>
+                </a:ln>
+                <a:solidFill>
+                  <a:schemeClr val="bg1"/>
+                </a:solidFill>
+                <a:latin typeface="Impact" panose="020B0806030902050204" pitchFamily="34" charset="0"/>
+              </a:rPr>
+              <a:t>REPRODUCIBLE PROJECTS</a:t>
+            </a:r>
+          </a:p>
+        </p:txBody>
+      </p:sp>
+      <p:sp>
+        <p:nvSpPr>
+          <p:cNvPr id="14" name="TextBox 13">
+            <a:extLst>
+              <a:ext uri="{FF2B5EF4-FFF2-40B4-BE49-F238E27FC236}">
+                <a16:creationId xmlns:a16="http://schemas.microsoft.com/office/drawing/2014/main" id="{D4C44949-BFB6-4CA8-A86F-CB3D62F73170}"/>
+              </a:ext>
+            </a:extLst>
+          </p:cNvPr>
+          <p:cNvSpPr txBox="1"/>
+          <p:nvPr/>
+        </p:nvSpPr>
+        <p:spPr>
+          <a:xfrm>
+            <a:off x="4902440" y="5742370"/>
+            <a:ext cx="1511559" cy="523220"/>
+          </a:xfrm>
+          <a:prstGeom prst="rect">
+            <a:avLst/>
+          </a:prstGeom>
+          <a:noFill/>
+        </p:spPr>
+        <p:txBody>
+          <a:bodyPr wrap="square" rtlCol="0">
+            <a:spAutoFit/>
+          </a:bodyPr>
+          <a:lstStyle/>
+          <a:p>
+            <a:r>
+              <a:rPr lang="en-US" sz="1400" dirty="0">
+                <a:ln>
+                  <a:solidFill>
+                    <a:schemeClr val="bg1">
+                      <a:lumMod val="50000"/>
+                    </a:schemeClr>
+                  </a:solidFill>
+                </a:ln>
+                <a:solidFill>
+                  <a:schemeClr val="bg1"/>
+                </a:solidFill>
+                <a:latin typeface="Impact" panose="020B0806030902050204" pitchFamily="34" charset="0"/>
+              </a:rPr>
+              <a:t>COMPELLING VISUALIZATIONS</a:t>
+            </a:r>
+          </a:p>
+        </p:txBody>
+      </p:sp>
+      <p:sp>
+        <p:nvSpPr>
+          <p:cNvPr id="15" name="TextBox 14">
+            <a:extLst>
+              <a:ext uri="{FF2B5EF4-FFF2-40B4-BE49-F238E27FC236}">
+                <a16:creationId xmlns:a16="http://schemas.microsoft.com/office/drawing/2014/main" id="{AEBF73DE-DF62-46BD-8D37-EAFBA6B79094}"/>
+              </a:ext>
+            </a:extLst>
+          </p:cNvPr>
+          <p:cNvSpPr txBox="1"/>
+          <p:nvPr/>
+        </p:nvSpPr>
+        <p:spPr>
+          <a:xfrm>
+            <a:off x="6497216" y="4410863"/>
+            <a:ext cx="1177213" cy="523220"/>
+          </a:xfrm>
+          <a:prstGeom prst="rect">
+            <a:avLst/>
+          </a:prstGeom>
+          <a:noFill/>
+        </p:spPr>
+        <p:txBody>
+          <a:bodyPr wrap="square" rtlCol="0">
+            <a:spAutoFit/>
+          </a:bodyPr>
+          <a:lstStyle/>
+          <a:p>
+            <a:r>
+              <a:rPr lang="en-US" sz="1400" dirty="0">
+                <a:ln>
+                  <a:solidFill>
+                    <a:schemeClr val="bg1">
+                      <a:lumMod val="50000"/>
+                    </a:schemeClr>
+                  </a:solidFill>
+                </a:ln>
+                <a:solidFill>
+                  <a:schemeClr val="bg1"/>
+                </a:solidFill>
+                <a:latin typeface="Impact" panose="020B0806030902050204" pitchFamily="34" charset="0"/>
+              </a:rPr>
+              <a:t>ADVANCED ANALYTICS</a:t>
+            </a:r>
+          </a:p>
+        </p:txBody>
+      </p:sp>
+      <p:sp>
+        <p:nvSpPr>
+          <p:cNvPr id="16" name="TextBox 15">
+            <a:extLst>
+              <a:ext uri="{FF2B5EF4-FFF2-40B4-BE49-F238E27FC236}">
+                <a16:creationId xmlns:a16="http://schemas.microsoft.com/office/drawing/2014/main" id="{EBDFF201-3A92-4361-A330-1B961124F505}"/>
+              </a:ext>
+            </a:extLst>
+          </p:cNvPr>
+          <p:cNvSpPr txBox="1"/>
+          <p:nvPr/>
+        </p:nvSpPr>
+        <p:spPr>
+          <a:xfrm>
+            <a:off x="6563153" y="5219150"/>
+            <a:ext cx="1177213" cy="523220"/>
+          </a:xfrm>
+          <a:prstGeom prst="rect">
+            <a:avLst/>
+          </a:prstGeom>
+          <a:noFill/>
+        </p:spPr>
+        <p:txBody>
+          <a:bodyPr wrap="square" rtlCol="0">
+            <a:spAutoFit/>
+          </a:bodyPr>
+          <a:lstStyle/>
+          <a:p>
+            <a:r>
+              <a:rPr lang="en-US" sz="1400" dirty="0">
+                <a:ln>
+                  <a:solidFill>
+                    <a:schemeClr val="bg1">
+                      <a:lumMod val="50000"/>
+                    </a:schemeClr>
+                  </a:solidFill>
+                </a:ln>
+                <a:solidFill>
+                  <a:schemeClr val="bg1"/>
+                </a:solidFill>
+                <a:latin typeface="Impact" panose="020B0806030902050204" pitchFamily="34" charset="0"/>
+              </a:rPr>
+              <a:t>AUTOMATED TASKS</a:t>
+            </a:r>
+          </a:p>
+        </p:txBody>
+      </p:sp>
+      <p:sp>
+        <p:nvSpPr>
+          <p:cNvPr id="17" name="TextBox 16">
+            <a:extLst>
+              <a:ext uri="{FF2B5EF4-FFF2-40B4-BE49-F238E27FC236}">
+                <a16:creationId xmlns:a16="http://schemas.microsoft.com/office/drawing/2014/main" id="{341F3C62-C3BD-4756-8359-25A1CE11F3A6}"/>
+              </a:ext>
+            </a:extLst>
+          </p:cNvPr>
+          <p:cNvSpPr txBox="1"/>
+          <p:nvPr/>
+        </p:nvSpPr>
+        <p:spPr>
+          <a:xfrm>
+            <a:off x="6649616" y="5931740"/>
+            <a:ext cx="1177213" cy="307777"/>
+          </a:xfrm>
+          <a:prstGeom prst="rect">
+            <a:avLst/>
+          </a:prstGeom>
+          <a:noFill/>
+        </p:spPr>
+        <p:txBody>
+          <a:bodyPr wrap="square" rtlCol="0">
+            <a:spAutoFit/>
+          </a:bodyPr>
+          <a:lstStyle/>
+          <a:p>
+            <a:r>
+              <a:rPr lang="en-US" sz="1400" dirty="0">
+                <a:ln>
+                  <a:solidFill>
+                    <a:schemeClr val="bg1">
+                      <a:lumMod val="50000"/>
+                    </a:schemeClr>
+                  </a:solidFill>
+                </a:ln>
+                <a:solidFill>
+                  <a:schemeClr val="bg1"/>
+                </a:solidFill>
+                <a:latin typeface="Impact" panose="020B0806030902050204" pitchFamily="34" charset="0"/>
+              </a:rPr>
+              <a:t>HIGHER PAY</a:t>
+            </a:r>
+          </a:p>
+        </p:txBody>
+      </p:sp>
+    </p:spTree>
+    <p:extLst>
+      <p:ext uri="{BB962C8B-B14F-4D97-AF65-F5344CB8AC3E}">
+        <p14:creationId xmlns:p14="http://schemas.microsoft.com/office/powerpoint/2010/main" val="373470981"/>
+      </p:ext>
+    </p:extLst>
+  </p:cSld>
+  <p:clrMapOvr>
+    <a:masterClrMapping/>
+  </p:clrMapOvr>
+</p:sld>
+</file>
+
+<file path=ppt/slides/slide5.xml><?xml version="1.0" encoding="utf-8"?>
+<p:sld xmlns:a="http://schemas.openxmlformats.org/drawingml/2006/main" xmlns:r="http://schemas.openxmlformats.org/officeDocument/2006/relationships" xmlns:p="http://schemas.openxmlformats.org/presentationml/2006/main">
+  <p:cSld>
+    <p:spTree>
+      <p:nvGrpSpPr>
+        <p:cNvPr id="1" name=""/>
+        <p:cNvGrpSpPr/>
+        <p:nvPr/>
+      </p:nvGrpSpPr>
+      <p:grpSpPr>
+        <a:xfrm>
+          <a:off x="0" y="0"/>
+          <a:ext cx="0" cy="0"/>
+          <a:chOff x="0" y="0"/>
+          <a:chExt cx="0" cy="0"/>
+        </a:xfrm>
+      </p:grpSpPr>
+      <p:pic>
+        <p:nvPicPr>
+          <p:cNvPr id="1026" name="Picture 2">
+            <a:extLst>
+              <a:ext uri="{FF2B5EF4-FFF2-40B4-BE49-F238E27FC236}">
+                <a16:creationId xmlns:a16="http://schemas.microsoft.com/office/drawing/2014/main" id="{06CD392A-831E-41F9-8859-A0760CC1339A}"/>
+              </a:ext>
+            </a:extLst>
+          </p:cNvPr>
+          <p:cNvPicPr>
+            <a:picLocks noChangeAspect="1" noChangeArrowheads="1"/>
+          </p:cNvPicPr>
+          <p:nvPr/>
+        </p:nvPicPr>
+        <p:blipFill>
+          <a:blip r:embed="rId2">
+            <a:extLst>
+              <a:ext uri="{28A0092B-C50C-407E-A947-70E740481C1C}">
+                <a14:useLocalDpi xmlns:a14="http://schemas.microsoft.com/office/drawing/2010/main" val="0"/>
+              </a:ext>
+            </a:extLst>
+          </a:blip>
+          <a:srcRect/>
+          <a:stretch>
+            <a:fillRect/>
+          </a:stretch>
+        </p:blipFill>
+        <p:spPr bwMode="auto">
+          <a:xfrm>
+            <a:off x="3800475" y="3123"/>
+            <a:ext cx="4591050" cy="6858000"/>
+          </a:xfrm>
+          <a:prstGeom prst="rect">
+            <a:avLst/>
+          </a:prstGeom>
+          <a:noFill/>
+          <a:extLst>
+            <a:ext uri="{909E8E84-426E-40DD-AFC4-6F175D3DCCD1}">
+              <a14:hiddenFill xmlns:a14="http://schemas.microsoft.com/office/drawing/2010/main">
+                <a:solidFill>
+                  <a:srgbClr val="FFFFFF"/>
+                </a:solidFill>
+              </a14:hiddenFill>
+            </a:ext>
+          </a:extLst>
+        </p:spPr>
+      </p:pic>
+      <p:sp>
+        <p:nvSpPr>
+          <p:cNvPr id="5" name="TextBox 4">
+            <a:extLst>
+              <a:ext uri="{FF2B5EF4-FFF2-40B4-BE49-F238E27FC236}">
+                <a16:creationId xmlns:a16="http://schemas.microsoft.com/office/drawing/2014/main" id="{1E86D5E2-FC0D-4B03-AC21-3B968B5FA976}"/>
+              </a:ext>
+            </a:extLst>
+          </p:cNvPr>
+          <p:cNvSpPr txBox="1"/>
+          <p:nvPr/>
+        </p:nvSpPr>
+        <p:spPr>
+          <a:xfrm>
+            <a:off x="3896022" y="3109549"/>
+            <a:ext cx="1558294" cy="369332"/>
+          </a:xfrm>
+          <a:prstGeom prst="rect">
+            <a:avLst/>
+          </a:prstGeom>
+          <a:noFill/>
+        </p:spPr>
+        <p:txBody>
+          <a:bodyPr wrap="square" rtlCol="0">
+            <a:spAutoFit/>
+          </a:bodyPr>
+          <a:lstStyle/>
+          <a:p>
+            <a:r>
+              <a:rPr lang="en-US" dirty="0">
+                <a:ln>
+                  <a:solidFill>
+                    <a:sysClr val="windowText" lastClr="000000"/>
+                  </a:solidFill>
+                </a:ln>
+                <a:solidFill>
+                  <a:schemeClr val="bg1"/>
+                </a:solidFill>
+                <a:latin typeface="Impact" panose="020B0806030902050204" pitchFamily="34" charset="0"/>
+              </a:rPr>
+              <a:t>ACCOUNTANTS</a:t>
+            </a:r>
+          </a:p>
+        </p:txBody>
+      </p:sp>
+      <p:sp>
+        <p:nvSpPr>
+          <p:cNvPr id="7" name="TextBox 6">
+            <a:extLst>
+              <a:ext uri="{FF2B5EF4-FFF2-40B4-BE49-F238E27FC236}">
+                <a16:creationId xmlns:a16="http://schemas.microsoft.com/office/drawing/2014/main" id="{A09A77AC-9600-4184-9F8B-0D9E0FEF75D4}"/>
+              </a:ext>
+            </a:extLst>
+          </p:cNvPr>
+          <p:cNvSpPr txBox="1"/>
+          <p:nvPr/>
+        </p:nvSpPr>
+        <p:spPr>
+          <a:xfrm>
+            <a:off x="5638801" y="2740217"/>
+            <a:ext cx="1558294" cy="369332"/>
+          </a:xfrm>
+          <a:prstGeom prst="rect">
+            <a:avLst/>
+          </a:prstGeom>
+          <a:noFill/>
+        </p:spPr>
+        <p:txBody>
+          <a:bodyPr wrap="square" rtlCol="0">
+            <a:spAutoFit/>
+          </a:bodyPr>
+          <a:lstStyle/>
+          <a:p>
+            <a:r>
+              <a:rPr lang="en-US" dirty="0">
+                <a:ln>
+                  <a:solidFill>
+                    <a:sysClr val="windowText" lastClr="000000"/>
+                  </a:solidFill>
+                </a:ln>
+                <a:solidFill>
+                  <a:schemeClr val="bg1"/>
+                </a:solidFill>
+                <a:latin typeface="Impact" panose="020B0806030902050204" pitchFamily="34" charset="0"/>
+              </a:rPr>
+              <a:t>ANALYSTS</a:t>
+            </a:r>
+          </a:p>
+        </p:txBody>
+      </p:sp>
+      <p:sp>
+        <p:nvSpPr>
+          <p:cNvPr id="8" name="TextBox 7">
+            <a:extLst>
+              <a:ext uri="{FF2B5EF4-FFF2-40B4-BE49-F238E27FC236}">
+                <a16:creationId xmlns:a16="http://schemas.microsoft.com/office/drawing/2014/main" id="{C7A59546-CB4F-4D28-9EF9-A3CFE2558976}"/>
+              </a:ext>
+            </a:extLst>
+          </p:cNvPr>
+          <p:cNvSpPr txBox="1"/>
+          <p:nvPr/>
+        </p:nvSpPr>
+        <p:spPr>
+          <a:xfrm>
+            <a:off x="6966283" y="3244334"/>
+            <a:ext cx="1319463" cy="369332"/>
+          </a:xfrm>
+          <a:prstGeom prst="rect">
+            <a:avLst/>
+          </a:prstGeom>
+          <a:noFill/>
+        </p:spPr>
+        <p:txBody>
+          <a:bodyPr wrap="square" rtlCol="0">
+            <a:spAutoFit/>
+          </a:bodyPr>
+          <a:lstStyle/>
+          <a:p>
+            <a:r>
+              <a:rPr lang="en-US" dirty="0">
+                <a:ln>
+                  <a:solidFill>
+                    <a:sysClr val="windowText" lastClr="000000"/>
+                  </a:solidFill>
+                </a:ln>
+                <a:solidFill>
+                  <a:schemeClr val="bg1"/>
+                </a:solidFill>
+                <a:latin typeface="Impact" panose="020B0806030902050204" pitchFamily="34" charset="0"/>
+              </a:rPr>
+              <a:t>MARKETERS</a:t>
+            </a:r>
+          </a:p>
+        </p:txBody>
+      </p:sp>
+      <p:sp>
+        <p:nvSpPr>
+          <p:cNvPr id="9" name="TextBox 8">
+            <a:extLst>
+              <a:ext uri="{FF2B5EF4-FFF2-40B4-BE49-F238E27FC236}">
+                <a16:creationId xmlns:a16="http://schemas.microsoft.com/office/drawing/2014/main" id="{61505886-B4FB-4CC4-86FD-A6DF202E948D}"/>
+              </a:ext>
+            </a:extLst>
+          </p:cNvPr>
+          <p:cNvSpPr txBox="1"/>
+          <p:nvPr/>
+        </p:nvSpPr>
+        <p:spPr>
+          <a:xfrm>
+            <a:off x="4387515" y="5573562"/>
+            <a:ext cx="1507957" cy="369332"/>
+          </a:xfrm>
+          <a:prstGeom prst="rect">
+            <a:avLst/>
+          </a:prstGeom>
+          <a:noFill/>
+        </p:spPr>
+        <p:txBody>
+          <a:bodyPr wrap="square" rtlCol="0">
+            <a:spAutoFit/>
+          </a:bodyPr>
+          <a:lstStyle/>
+          <a:p>
+            <a:r>
+              <a:rPr lang="en-US" dirty="0">
+                <a:ln>
+                  <a:solidFill>
+                    <a:sysClr val="windowText" lastClr="000000"/>
+                  </a:solidFill>
+                </a:ln>
+                <a:solidFill>
+                  <a:schemeClr val="bg1"/>
+                </a:solidFill>
+                <a:latin typeface="Impact" panose="020B0806030902050204" pitchFamily="34" charset="0"/>
+              </a:rPr>
+              <a:t>PHYSICIANS</a:t>
+            </a:r>
+          </a:p>
+        </p:txBody>
+      </p:sp>
+      <p:pic>
+        <p:nvPicPr>
+          <p:cNvPr id="1028" name="Picture 4" descr="Advancing into Analytics Cover Image">
+            <a:extLst>
+              <a:ext uri="{FF2B5EF4-FFF2-40B4-BE49-F238E27FC236}">
+                <a16:creationId xmlns:a16="http://schemas.microsoft.com/office/drawing/2014/main" id="{9672B86F-0EC7-4907-A937-A0FB7EA55678}"/>
+              </a:ext>
+            </a:extLst>
+          </p:cNvPr>
+          <p:cNvPicPr>
+            <a:picLocks noChangeAspect="1" noChangeArrowheads="1"/>
+          </p:cNvPicPr>
+          <p:nvPr/>
+        </p:nvPicPr>
+        <p:blipFill>
+          <a:blip r:embed="rId3">
+            <a:extLst>
+              <a:ext uri="{28A0092B-C50C-407E-A947-70E740481C1C}">
+                <a14:useLocalDpi xmlns:a14="http://schemas.microsoft.com/office/drawing/2010/main" val="0"/>
+              </a:ext>
+            </a:extLst>
+          </a:blip>
+          <a:srcRect/>
+          <a:stretch>
+            <a:fillRect/>
+          </a:stretch>
+        </p:blipFill>
+        <p:spPr bwMode="auto">
+          <a:xfrm>
+            <a:off x="5645318" y="4568600"/>
+            <a:ext cx="680620" cy="888839"/>
+          </a:xfrm>
+          <a:prstGeom prst="rect">
+            <a:avLst/>
+          </a:prstGeom>
+          <a:noFill/>
+          <a:extLst>
+            <a:ext uri="{909E8E84-426E-40DD-AFC4-6F175D3DCCD1}">
+              <a14:hiddenFill xmlns:a14="http://schemas.microsoft.com/office/drawing/2010/main">
+                <a:solidFill>
+                  <a:srgbClr val="FFFFFF"/>
+                </a:solidFill>
+              </a14:hiddenFill>
+            </a:ext>
+          </a:extLst>
+        </p:spPr>
+      </p:pic>
+      <p:sp>
+        <p:nvSpPr>
+          <p:cNvPr id="11" name="TextBox 10">
+            <a:extLst>
+              <a:ext uri="{FF2B5EF4-FFF2-40B4-BE49-F238E27FC236}">
+                <a16:creationId xmlns:a16="http://schemas.microsoft.com/office/drawing/2014/main" id="{6921D1C4-B2BA-46B1-B233-196C974CE00C}"/>
+              </a:ext>
+            </a:extLst>
+          </p:cNvPr>
+          <p:cNvSpPr txBox="1"/>
+          <p:nvPr/>
+        </p:nvSpPr>
+        <p:spPr>
+          <a:xfrm>
+            <a:off x="7038474" y="4628393"/>
+            <a:ext cx="1341517" cy="369332"/>
+          </a:xfrm>
+          <a:prstGeom prst="rect">
+            <a:avLst/>
+          </a:prstGeom>
+          <a:noFill/>
+        </p:spPr>
+        <p:txBody>
+          <a:bodyPr wrap="square" rtlCol="0">
+            <a:spAutoFit/>
+          </a:bodyPr>
+          <a:lstStyle/>
+          <a:p>
+            <a:r>
+              <a:rPr lang="en-US" dirty="0">
+                <a:ln>
+                  <a:solidFill>
+                    <a:sysClr val="windowText" lastClr="000000"/>
+                  </a:solidFill>
+                </a:ln>
+                <a:solidFill>
+                  <a:schemeClr val="bg1"/>
+                </a:solidFill>
+                <a:latin typeface="Impact" panose="020B0806030902050204" pitchFamily="34" charset="0"/>
+              </a:rPr>
+              <a:t>ENGINEERS</a:t>
+            </a:r>
+          </a:p>
+        </p:txBody>
+      </p:sp>
+      <p:sp>
+        <p:nvSpPr>
+          <p:cNvPr id="13" name="TextBox 12">
+            <a:extLst>
+              <a:ext uri="{FF2B5EF4-FFF2-40B4-BE49-F238E27FC236}">
+                <a16:creationId xmlns:a16="http://schemas.microsoft.com/office/drawing/2014/main" id="{DA5CCE63-7F38-4509-9D68-0AF144D5BE28}"/>
+              </a:ext>
+            </a:extLst>
+          </p:cNvPr>
+          <p:cNvSpPr txBox="1"/>
+          <p:nvPr/>
+        </p:nvSpPr>
+        <p:spPr>
+          <a:xfrm>
+            <a:off x="7038474" y="4201494"/>
+            <a:ext cx="1260053" cy="369332"/>
+          </a:xfrm>
+          <a:prstGeom prst="rect">
+            <a:avLst/>
+          </a:prstGeom>
+          <a:noFill/>
+        </p:spPr>
+        <p:txBody>
+          <a:bodyPr wrap="square" rtlCol="0">
+            <a:spAutoFit/>
+          </a:bodyPr>
+          <a:lstStyle/>
+          <a:p>
+            <a:r>
+              <a:rPr lang="en-US" dirty="0">
+                <a:ln>
+                  <a:solidFill>
+                    <a:sysClr val="windowText" lastClr="000000"/>
+                  </a:solidFill>
+                </a:ln>
+                <a:solidFill>
+                  <a:schemeClr val="bg1"/>
+                </a:solidFill>
+                <a:latin typeface="Impact" panose="020B0806030902050204" pitchFamily="34" charset="0"/>
+              </a:rPr>
+              <a:t>TEACHERS</a:t>
+            </a:r>
+          </a:p>
+        </p:txBody>
+      </p:sp>
+      <p:sp>
+        <p:nvSpPr>
+          <p:cNvPr id="14" name="TextBox 13">
+            <a:extLst>
+              <a:ext uri="{FF2B5EF4-FFF2-40B4-BE49-F238E27FC236}">
+                <a16:creationId xmlns:a16="http://schemas.microsoft.com/office/drawing/2014/main" id="{2CA70B08-DD9E-407A-AF2B-7485FA8ACC56}"/>
+              </a:ext>
+            </a:extLst>
+          </p:cNvPr>
+          <p:cNvSpPr txBox="1"/>
+          <p:nvPr/>
+        </p:nvSpPr>
+        <p:spPr>
+          <a:xfrm>
+            <a:off x="3968918" y="4866824"/>
+            <a:ext cx="1507957" cy="369332"/>
+          </a:xfrm>
+          <a:prstGeom prst="rect">
+            <a:avLst/>
+          </a:prstGeom>
+          <a:noFill/>
+        </p:spPr>
+        <p:txBody>
+          <a:bodyPr wrap="square" rtlCol="0">
+            <a:spAutoFit/>
+          </a:bodyPr>
+          <a:lstStyle/>
+          <a:p>
+            <a:r>
+              <a:rPr lang="en-US" dirty="0">
+                <a:ln>
+                  <a:solidFill>
+                    <a:sysClr val="windowText" lastClr="000000"/>
+                  </a:solidFill>
+                </a:ln>
+                <a:solidFill>
+                  <a:schemeClr val="bg1"/>
+                </a:solidFill>
+                <a:latin typeface="Impact" panose="020B0806030902050204" pitchFamily="34" charset="0"/>
+              </a:rPr>
+              <a:t>ECOLOGISTS</a:t>
+            </a:r>
+          </a:p>
+        </p:txBody>
+      </p:sp>
+      <p:sp>
+        <p:nvSpPr>
+          <p:cNvPr id="15" name="TextBox 14">
+            <a:extLst>
+              <a:ext uri="{FF2B5EF4-FFF2-40B4-BE49-F238E27FC236}">
+                <a16:creationId xmlns:a16="http://schemas.microsoft.com/office/drawing/2014/main" id="{46808A2C-AEEA-4BCF-94B5-0E97BD5A5B49}"/>
+              </a:ext>
+            </a:extLst>
+          </p:cNvPr>
+          <p:cNvSpPr txBox="1"/>
+          <p:nvPr/>
+        </p:nvSpPr>
+        <p:spPr>
+          <a:xfrm>
+            <a:off x="4053139" y="4245110"/>
+            <a:ext cx="1507957" cy="369332"/>
+          </a:xfrm>
+          <a:prstGeom prst="rect">
+            <a:avLst/>
+          </a:prstGeom>
+          <a:noFill/>
+        </p:spPr>
+        <p:txBody>
+          <a:bodyPr wrap="square" rtlCol="0">
+            <a:spAutoFit/>
+          </a:bodyPr>
+          <a:lstStyle/>
+          <a:p>
+            <a:r>
+              <a:rPr lang="en-US" dirty="0">
+                <a:ln>
+                  <a:solidFill>
+                    <a:sysClr val="windowText" lastClr="000000"/>
+                  </a:solidFill>
+                </a:ln>
+                <a:solidFill>
+                  <a:schemeClr val="bg1"/>
+                </a:solidFill>
+                <a:latin typeface="Impact" panose="020B0806030902050204" pitchFamily="34" charset="0"/>
+              </a:rPr>
+              <a:t>INVESTORS</a:t>
+            </a:r>
+          </a:p>
+        </p:txBody>
+      </p:sp>
+      <p:sp>
+        <p:nvSpPr>
+          <p:cNvPr id="16" name="TextBox 15">
+            <a:extLst>
+              <a:ext uri="{FF2B5EF4-FFF2-40B4-BE49-F238E27FC236}">
+                <a16:creationId xmlns:a16="http://schemas.microsoft.com/office/drawing/2014/main" id="{9D8C300D-C175-4982-AD21-77D811A06189}"/>
+              </a:ext>
+            </a:extLst>
+          </p:cNvPr>
+          <p:cNvSpPr txBox="1"/>
+          <p:nvPr/>
+        </p:nvSpPr>
+        <p:spPr>
+          <a:xfrm>
+            <a:off x="6777789" y="5236156"/>
+            <a:ext cx="1507957" cy="369332"/>
+          </a:xfrm>
+          <a:prstGeom prst="rect">
+            <a:avLst/>
+          </a:prstGeom>
+          <a:noFill/>
+        </p:spPr>
+        <p:txBody>
+          <a:bodyPr wrap="square" rtlCol="0">
+            <a:spAutoFit/>
+          </a:bodyPr>
+          <a:lstStyle/>
+          <a:p>
+            <a:r>
+              <a:rPr lang="en-US" dirty="0">
+                <a:ln>
+                  <a:solidFill>
+                    <a:sysClr val="windowText" lastClr="000000"/>
+                  </a:solidFill>
+                </a:ln>
+                <a:solidFill>
+                  <a:schemeClr val="bg1"/>
+                </a:solidFill>
+                <a:latin typeface="Impact" panose="020B0806030902050204" pitchFamily="34" charset="0"/>
+              </a:rPr>
+              <a:t>EVALUATORS</a:t>
+            </a:r>
+          </a:p>
+        </p:txBody>
+      </p:sp>
+      <p:sp>
+        <p:nvSpPr>
+          <p:cNvPr id="17" name="TextBox 16">
+            <a:extLst>
+              <a:ext uri="{FF2B5EF4-FFF2-40B4-BE49-F238E27FC236}">
+                <a16:creationId xmlns:a16="http://schemas.microsoft.com/office/drawing/2014/main" id="{EAD2A811-D04C-4F2F-AB09-A1CBE1366925}"/>
+              </a:ext>
+            </a:extLst>
+          </p:cNvPr>
+          <p:cNvSpPr txBox="1"/>
+          <p:nvPr/>
+        </p:nvSpPr>
+        <p:spPr>
+          <a:xfrm>
+            <a:off x="5358229" y="6007325"/>
+            <a:ext cx="1791365" cy="369332"/>
+          </a:xfrm>
+          <a:prstGeom prst="rect">
+            <a:avLst/>
+          </a:prstGeom>
+          <a:noFill/>
+        </p:spPr>
+        <p:txBody>
+          <a:bodyPr wrap="square" rtlCol="0">
+            <a:spAutoFit/>
+          </a:bodyPr>
+          <a:lstStyle/>
+          <a:p>
+            <a:r>
+              <a:rPr lang="en-US" dirty="0">
+                <a:ln>
+                  <a:solidFill>
+                    <a:sysClr val="windowText" lastClr="000000"/>
+                  </a:solidFill>
+                </a:ln>
+                <a:solidFill>
+                  <a:schemeClr val="bg1"/>
+                </a:solidFill>
+                <a:latin typeface="Impact" panose="020B0806030902050204" pitchFamily="34" charset="0"/>
+              </a:rPr>
+              <a:t>ADMINISTRATORS</a:t>
+            </a:r>
+          </a:p>
+        </p:txBody>
+      </p:sp>
+    </p:spTree>
+    <p:extLst>
+      <p:ext uri="{BB962C8B-B14F-4D97-AF65-F5344CB8AC3E}">
+        <p14:creationId xmlns:p14="http://schemas.microsoft.com/office/powerpoint/2010/main" val="556584595"/>
+      </p:ext>
+    </p:extLst>
+  </p:cSld>
+  <p:clrMapOvr>
+    <a:masterClrMapping/>
+  </p:clrMapOvr>
+</p:sld>
+</file>
+
 <file path=ppt/theme/theme1.xml><?xml version="1.0" encoding="utf-8"?>
 <a:theme xmlns:a="http://schemas.openxmlformats.org/drawingml/2006/main" name="Office Theme">
   <a:themeElements>

--- a/memes/sources/meme-raw-sources.pptx
+++ b/memes/sources/meme-raw-sources.pptx
@@ -10,6 +10,7 @@
     <p:sldId id="257" r:id="rId4"/>
     <p:sldId id="260" r:id="rId5"/>
     <p:sldId id="261" r:id="rId6"/>
+    <p:sldId id="262" r:id="rId7"/>
   </p:sldIdLst>
   <p:sldSz cx="12192000" cy="6858000"/>
   <p:notesSz cx="6858000" cy="9144000"/>
@@ -263,7 +264,7 @@
           <a:p>
             <a:fld id="{5F79A551-77B6-4CCB-BEF2-70F188A959B6}" type="datetimeFigureOut">
               <a:rPr lang="en-US" smtClean="0"/>
-              <a:t>10/10/2021</a:t>
+              <a:t>11/3/2021</a:t>
             </a:fld>
             <a:endParaRPr lang="en-US"/>
           </a:p>
@@ -461,7 +462,7 @@
           <a:p>
             <a:fld id="{5F79A551-77B6-4CCB-BEF2-70F188A959B6}" type="datetimeFigureOut">
               <a:rPr lang="en-US" smtClean="0"/>
-              <a:t>10/10/2021</a:t>
+              <a:t>11/3/2021</a:t>
             </a:fld>
             <a:endParaRPr lang="en-US"/>
           </a:p>
@@ -669,7 +670,7 @@
           <a:p>
             <a:fld id="{5F79A551-77B6-4CCB-BEF2-70F188A959B6}" type="datetimeFigureOut">
               <a:rPr lang="en-US" smtClean="0"/>
-              <a:t>10/10/2021</a:t>
+              <a:t>11/3/2021</a:t>
             </a:fld>
             <a:endParaRPr lang="en-US"/>
           </a:p>
@@ -867,7 +868,7 @@
           <a:p>
             <a:fld id="{5F79A551-77B6-4CCB-BEF2-70F188A959B6}" type="datetimeFigureOut">
               <a:rPr lang="en-US" smtClean="0"/>
-              <a:t>10/10/2021</a:t>
+              <a:t>11/3/2021</a:t>
             </a:fld>
             <a:endParaRPr lang="en-US"/>
           </a:p>
@@ -1142,7 +1143,7 @@
           <a:p>
             <a:fld id="{5F79A551-77B6-4CCB-BEF2-70F188A959B6}" type="datetimeFigureOut">
               <a:rPr lang="en-US" smtClean="0"/>
-              <a:t>10/10/2021</a:t>
+              <a:t>11/3/2021</a:t>
             </a:fld>
             <a:endParaRPr lang="en-US"/>
           </a:p>
@@ -1407,7 +1408,7 @@
           <a:p>
             <a:fld id="{5F79A551-77B6-4CCB-BEF2-70F188A959B6}" type="datetimeFigureOut">
               <a:rPr lang="en-US" smtClean="0"/>
-              <a:t>10/10/2021</a:t>
+              <a:t>11/3/2021</a:t>
             </a:fld>
             <a:endParaRPr lang="en-US"/>
           </a:p>
@@ -1819,7 +1820,7 @@
           <a:p>
             <a:fld id="{5F79A551-77B6-4CCB-BEF2-70F188A959B6}" type="datetimeFigureOut">
               <a:rPr lang="en-US" smtClean="0"/>
-              <a:t>10/10/2021</a:t>
+              <a:t>11/3/2021</a:t>
             </a:fld>
             <a:endParaRPr lang="en-US"/>
           </a:p>
@@ -1960,7 +1961,7 @@
           <a:p>
             <a:fld id="{5F79A551-77B6-4CCB-BEF2-70F188A959B6}" type="datetimeFigureOut">
               <a:rPr lang="en-US" smtClean="0"/>
-              <a:t>10/10/2021</a:t>
+              <a:t>11/3/2021</a:t>
             </a:fld>
             <a:endParaRPr lang="en-US"/>
           </a:p>
@@ -2073,7 +2074,7 @@
           <a:p>
             <a:fld id="{5F79A551-77B6-4CCB-BEF2-70F188A959B6}" type="datetimeFigureOut">
               <a:rPr lang="en-US" smtClean="0"/>
-              <a:t>10/10/2021</a:t>
+              <a:t>11/3/2021</a:t>
             </a:fld>
             <a:endParaRPr lang="en-US"/>
           </a:p>
@@ -2384,7 +2385,7 @@
           <a:p>
             <a:fld id="{5F79A551-77B6-4CCB-BEF2-70F188A959B6}" type="datetimeFigureOut">
               <a:rPr lang="en-US" smtClean="0"/>
-              <a:t>10/10/2021</a:t>
+              <a:t>11/3/2021</a:t>
             </a:fld>
             <a:endParaRPr lang="en-US"/>
           </a:p>
@@ -2672,7 +2673,7 @@
           <a:p>
             <a:fld id="{5F79A551-77B6-4CCB-BEF2-70F188A959B6}" type="datetimeFigureOut">
               <a:rPr lang="en-US" smtClean="0"/>
-              <a:t>10/10/2021</a:t>
+              <a:t>11/3/2021</a:t>
             </a:fld>
             <a:endParaRPr lang="en-US"/>
           </a:p>
@@ -2913,7 +2914,7 @@
           <a:p>
             <a:fld id="{5F79A551-77B6-4CCB-BEF2-70F188A959B6}" type="datetimeFigureOut">
               <a:rPr lang="en-US" smtClean="0"/>
-              <a:t>10/10/2021</a:t>
+              <a:t>11/3/2021</a:t>
             </a:fld>
             <a:endParaRPr lang="en-US"/>
           </a:p>
@@ -4966,6 +4967,158 @@
 </p:sld>
 </file>
 
+<file path=ppt/slides/slide6.xml><?xml version="1.0" encoding="utf-8"?>
+<p:sld xmlns:a="http://schemas.openxmlformats.org/drawingml/2006/main" xmlns:r="http://schemas.openxmlformats.org/officeDocument/2006/relationships" xmlns:p="http://schemas.openxmlformats.org/presentationml/2006/main">
+  <p:cSld>
+    <p:spTree>
+      <p:nvGrpSpPr>
+        <p:cNvPr id="1" name=""/>
+        <p:cNvGrpSpPr/>
+        <p:nvPr/>
+      </p:nvGrpSpPr>
+      <p:grpSpPr>
+        <a:xfrm>
+          <a:off x="0" y="0"/>
+          <a:ext cx="0" cy="0"/>
+          <a:chOff x="0" y="0"/>
+          <a:chExt cx="0" cy="0"/>
+        </a:xfrm>
+      </p:grpSpPr>
+      <p:pic>
+        <p:nvPicPr>
+          <p:cNvPr id="1026" name="Picture 2">
+            <a:extLst>
+              <a:ext uri="{FF2B5EF4-FFF2-40B4-BE49-F238E27FC236}">
+                <a16:creationId xmlns:a16="http://schemas.microsoft.com/office/drawing/2014/main" id="{E32509E7-00EA-408B-90DC-BA6BE30B7742}"/>
+              </a:ext>
+            </a:extLst>
+          </p:cNvPr>
+          <p:cNvPicPr>
+            <a:picLocks noChangeAspect="1" noChangeArrowheads="1"/>
+          </p:cNvPicPr>
+          <p:nvPr/>
+        </p:nvPicPr>
+        <p:blipFill>
+          <a:blip r:embed="rId2">
+            <a:extLst>
+              <a:ext uri="{28A0092B-C50C-407E-A947-70E740481C1C}">
+                <a14:useLocalDpi xmlns:a14="http://schemas.microsoft.com/office/drawing/2010/main" val="0"/>
+              </a:ext>
+            </a:extLst>
+          </a:blip>
+          <a:srcRect/>
+          <a:stretch>
+            <a:fillRect/>
+          </a:stretch>
+        </p:blipFill>
+        <p:spPr bwMode="auto">
+          <a:xfrm>
+            <a:off x="3308350" y="489854"/>
+            <a:ext cx="4762500" cy="5715000"/>
+          </a:xfrm>
+          <a:prstGeom prst="rect">
+            <a:avLst/>
+          </a:prstGeom>
+          <a:noFill/>
+          <a:extLst>
+            <a:ext uri="{909E8E84-426E-40DD-AFC4-6F175D3DCCD1}">
+              <a14:hiddenFill xmlns:a14="http://schemas.microsoft.com/office/drawing/2010/main">
+                <a:solidFill>
+                  <a:srgbClr val="FFFFFF"/>
+                </a:solidFill>
+              </a14:hiddenFill>
+            </a:ext>
+          </a:extLst>
+        </p:spPr>
+      </p:pic>
+      <p:pic>
+        <p:nvPicPr>
+          <p:cNvPr id="5" name="Picture 4">
+            <a:extLst>
+              <a:ext uri="{FF2B5EF4-FFF2-40B4-BE49-F238E27FC236}">
+                <a16:creationId xmlns:a16="http://schemas.microsoft.com/office/drawing/2014/main" id="{F4BC2BAA-2081-4CDA-B807-23137FA46AA0}"/>
+              </a:ext>
+            </a:extLst>
+          </p:cNvPr>
+          <p:cNvPicPr>
+            <a:picLocks noChangeAspect="1"/>
+          </p:cNvPicPr>
+          <p:nvPr/>
+        </p:nvPicPr>
+        <p:blipFill>
+          <a:blip r:embed="rId3">
+            <a:extLst>
+              <a:ext uri="{28A0092B-C50C-407E-A947-70E740481C1C}">
+                <a14:useLocalDpi xmlns:a14="http://schemas.microsoft.com/office/drawing/2010/main" val="0"/>
+              </a:ext>
+            </a:extLst>
+          </a:blip>
+          <a:stretch>
+            <a:fillRect/>
+          </a:stretch>
+        </p:blipFill>
+        <p:spPr>
+          <a:xfrm>
+            <a:off x="2785135" y="4966424"/>
+            <a:ext cx="6305429" cy="609588"/>
+          </a:xfrm>
+          <a:prstGeom prst="rect">
+            <a:avLst/>
+          </a:prstGeom>
+        </p:spPr>
+      </p:pic>
+      <p:sp>
+        <p:nvSpPr>
+          <p:cNvPr id="6" name="TextBox 5">
+            <a:extLst>
+              <a:ext uri="{FF2B5EF4-FFF2-40B4-BE49-F238E27FC236}">
+                <a16:creationId xmlns:a16="http://schemas.microsoft.com/office/drawing/2014/main" id="{300F3002-3D51-42E5-9E1D-202A0DFFA1F0}"/>
+              </a:ext>
+            </a:extLst>
+          </p:cNvPr>
+          <p:cNvSpPr txBox="1"/>
+          <p:nvPr/>
+        </p:nvSpPr>
+        <p:spPr>
+          <a:xfrm>
+            <a:off x="1949570" y="917925"/>
+            <a:ext cx="7976558" cy="584775"/>
+          </a:xfrm>
+          <a:prstGeom prst="rect">
+            <a:avLst/>
+          </a:prstGeom>
+          <a:noFill/>
+        </p:spPr>
+        <p:txBody>
+          <a:bodyPr wrap="square" rtlCol="0">
+            <a:spAutoFit/>
+          </a:bodyPr>
+          <a:lstStyle/>
+          <a:p>
+            <a:pPr algn="ctr"/>
+            <a:r>
+              <a:rPr lang="en-US" sz="3200" dirty="0">
+                <a:latin typeface="Impact" panose="020B0806030902050204" pitchFamily="34" charset="0"/>
+                <a:cs typeface="Helvetica" panose="020B0604020202020204" pitchFamily="34" charset="0"/>
+              </a:rPr>
+              <a:t>CLIPPY GETS HIS REVENGE</a:t>
+            </a:r>
+          </a:p>
+        </p:txBody>
+      </p:sp>
+    </p:spTree>
+    <p:extLst>
+      <p:ext uri="{BB962C8B-B14F-4D97-AF65-F5344CB8AC3E}">
+        <p14:creationId xmlns:p14="http://schemas.microsoft.com/office/powerpoint/2010/main" val="161264530"/>
+      </p:ext>
+    </p:extLst>
+  </p:cSld>
+  <p:clrMapOvr>
+    <a:masterClrMapping/>
+  </p:clrMapOvr>
+</p:sld>
+</file>
+
 <file path=ppt/theme/theme1.xml><?xml version="1.0" encoding="utf-8"?>
 <a:theme xmlns:a="http://schemas.openxmlformats.org/drawingml/2006/main" name="Office Theme">
   <a:themeElements>

--- a/memes/sources/meme-raw-sources.pptx
+++ b/memes/sources/meme-raw-sources.pptx
@@ -11,6 +11,8 @@
     <p:sldId id="260" r:id="rId5"/>
     <p:sldId id="261" r:id="rId6"/>
     <p:sldId id="262" r:id="rId7"/>
+    <p:sldId id="263" r:id="rId8"/>
+    <p:sldId id="264" r:id="rId9"/>
   </p:sldIdLst>
   <p:sldSz cx="12192000" cy="6858000"/>
   <p:notesSz cx="6858000" cy="9144000"/>
@@ -264,7 +266,7 @@
           <a:p>
             <a:fld id="{5F79A551-77B6-4CCB-BEF2-70F188A959B6}" type="datetimeFigureOut">
               <a:rPr lang="en-US" smtClean="0"/>
-              <a:t>11/3/2021</a:t>
+              <a:t>11/9/2021</a:t>
             </a:fld>
             <a:endParaRPr lang="en-US"/>
           </a:p>
@@ -462,7 +464,7 @@
           <a:p>
             <a:fld id="{5F79A551-77B6-4CCB-BEF2-70F188A959B6}" type="datetimeFigureOut">
               <a:rPr lang="en-US" smtClean="0"/>
-              <a:t>11/3/2021</a:t>
+              <a:t>11/9/2021</a:t>
             </a:fld>
             <a:endParaRPr lang="en-US"/>
           </a:p>
@@ -670,7 +672,7 @@
           <a:p>
             <a:fld id="{5F79A551-77B6-4CCB-BEF2-70F188A959B6}" type="datetimeFigureOut">
               <a:rPr lang="en-US" smtClean="0"/>
-              <a:t>11/3/2021</a:t>
+              <a:t>11/9/2021</a:t>
             </a:fld>
             <a:endParaRPr lang="en-US"/>
           </a:p>
@@ -868,7 +870,7 @@
           <a:p>
             <a:fld id="{5F79A551-77B6-4CCB-BEF2-70F188A959B6}" type="datetimeFigureOut">
               <a:rPr lang="en-US" smtClean="0"/>
-              <a:t>11/3/2021</a:t>
+              <a:t>11/9/2021</a:t>
             </a:fld>
             <a:endParaRPr lang="en-US"/>
           </a:p>
@@ -1143,7 +1145,7 @@
           <a:p>
             <a:fld id="{5F79A551-77B6-4CCB-BEF2-70F188A959B6}" type="datetimeFigureOut">
               <a:rPr lang="en-US" smtClean="0"/>
-              <a:t>11/3/2021</a:t>
+              <a:t>11/9/2021</a:t>
             </a:fld>
             <a:endParaRPr lang="en-US"/>
           </a:p>
@@ -1408,7 +1410,7 @@
           <a:p>
             <a:fld id="{5F79A551-77B6-4CCB-BEF2-70F188A959B6}" type="datetimeFigureOut">
               <a:rPr lang="en-US" smtClean="0"/>
-              <a:t>11/3/2021</a:t>
+              <a:t>11/9/2021</a:t>
             </a:fld>
             <a:endParaRPr lang="en-US"/>
           </a:p>
@@ -1820,7 +1822,7 @@
           <a:p>
             <a:fld id="{5F79A551-77B6-4CCB-BEF2-70F188A959B6}" type="datetimeFigureOut">
               <a:rPr lang="en-US" smtClean="0"/>
-              <a:t>11/3/2021</a:t>
+              <a:t>11/9/2021</a:t>
             </a:fld>
             <a:endParaRPr lang="en-US"/>
           </a:p>
@@ -1961,7 +1963,7 @@
           <a:p>
             <a:fld id="{5F79A551-77B6-4CCB-BEF2-70F188A959B6}" type="datetimeFigureOut">
               <a:rPr lang="en-US" smtClean="0"/>
-              <a:t>11/3/2021</a:t>
+              <a:t>11/9/2021</a:t>
             </a:fld>
             <a:endParaRPr lang="en-US"/>
           </a:p>
@@ -2074,7 +2076,7 @@
           <a:p>
             <a:fld id="{5F79A551-77B6-4CCB-BEF2-70F188A959B6}" type="datetimeFigureOut">
               <a:rPr lang="en-US" smtClean="0"/>
-              <a:t>11/3/2021</a:t>
+              <a:t>11/9/2021</a:t>
             </a:fld>
             <a:endParaRPr lang="en-US"/>
           </a:p>
@@ -2385,7 +2387,7 @@
           <a:p>
             <a:fld id="{5F79A551-77B6-4CCB-BEF2-70F188A959B6}" type="datetimeFigureOut">
               <a:rPr lang="en-US" smtClean="0"/>
-              <a:t>11/3/2021</a:t>
+              <a:t>11/9/2021</a:t>
             </a:fld>
             <a:endParaRPr lang="en-US"/>
           </a:p>
@@ -2673,7 +2675,7 @@
           <a:p>
             <a:fld id="{5F79A551-77B6-4CCB-BEF2-70F188A959B6}" type="datetimeFigureOut">
               <a:rPr lang="en-US" smtClean="0"/>
-              <a:t>11/3/2021</a:t>
+              <a:t>11/9/2021</a:t>
             </a:fld>
             <a:endParaRPr lang="en-US"/>
           </a:p>
@@ -2914,7 +2916,7 @@
           <a:p>
             <a:fld id="{5F79A551-77B6-4CCB-BEF2-70F188A959B6}" type="datetimeFigureOut">
               <a:rPr lang="en-US" smtClean="0"/>
-              <a:t>11/3/2021</a:t>
+              <a:t>11/9/2021</a:t>
             </a:fld>
             <a:endParaRPr lang="en-US"/>
           </a:p>
@@ -5119,6 +5121,243 @@
 </p:sld>
 </file>
 
+<file path=ppt/slides/slide7.xml><?xml version="1.0" encoding="utf-8"?>
+<p:sld xmlns:a="http://schemas.openxmlformats.org/drawingml/2006/main" xmlns:r="http://schemas.openxmlformats.org/officeDocument/2006/relationships" xmlns:p="http://schemas.openxmlformats.org/presentationml/2006/main">
+  <p:cSld>
+    <p:spTree>
+      <p:nvGrpSpPr>
+        <p:cNvPr id="1" name=""/>
+        <p:cNvGrpSpPr/>
+        <p:nvPr/>
+      </p:nvGrpSpPr>
+      <p:grpSpPr>
+        <a:xfrm>
+          <a:off x="0" y="0"/>
+          <a:ext cx="0" cy="0"/>
+          <a:chOff x="0" y="0"/>
+          <a:chExt cx="0" cy="0"/>
+        </a:xfrm>
+      </p:grpSpPr>
+      <p:pic>
+        <p:nvPicPr>
+          <p:cNvPr id="2" name="Picture 2" descr="Now ICC joins in the &amp;#39;WandaVison&amp;#39; wink meme - EastMojo">
+            <a:extLst>
+              <a:ext uri="{FF2B5EF4-FFF2-40B4-BE49-F238E27FC236}">
+                <a16:creationId xmlns:a16="http://schemas.microsoft.com/office/drawing/2014/main" id="{3391A743-0018-4589-89CF-4F18138960DF}"/>
+              </a:ext>
+            </a:extLst>
+          </p:cNvPr>
+          <p:cNvPicPr>
+            <a:picLocks noChangeAspect="1" noChangeArrowheads="1"/>
+          </p:cNvPicPr>
+          <p:nvPr/>
+        </p:nvPicPr>
+        <p:blipFill>
+          <a:blip r:embed="rId2">
+            <a:extLst>
+              <a:ext uri="{28A0092B-C50C-407E-A947-70E740481C1C}">
+                <a14:useLocalDpi xmlns:a14="http://schemas.microsoft.com/office/drawing/2010/main" val="0"/>
+              </a:ext>
+            </a:extLst>
+          </a:blip>
+          <a:srcRect/>
+          <a:stretch>
+            <a:fillRect/>
+          </a:stretch>
+        </p:blipFill>
+        <p:spPr bwMode="auto">
+          <a:xfrm>
+            <a:off x="2081213" y="2914650"/>
+            <a:ext cx="6171657" cy="3467100"/>
+          </a:xfrm>
+          <a:prstGeom prst="rect">
+            <a:avLst/>
+          </a:prstGeom>
+          <a:noFill/>
+          <a:extLst>
+            <a:ext uri="{909E8E84-426E-40DD-AFC4-6F175D3DCCD1}">
+              <a14:hiddenFill xmlns:a14="http://schemas.microsoft.com/office/drawing/2010/main">
+                <a:solidFill>
+                  <a:srgbClr val="FFFFFF"/>
+                </a:solidFill>
+              </a14:hiddenFill>
+            </a:ext>
+          </a:extLst>
+        </p:spPr>
+      </p:pic>
+      <p:sp>
+        <p:nvSpPr>
+          <p:cNvPr id="3" name="TextBox 2">
+            <a:extLst>
+              <a:ext uri="{FF2B5EF4-FFF2-40B4-BE49-F238E27FC236}">
+                <a16:creationId xmlns:a16="http://schemas.microsoft.com/office/drawing/2014/main" id="{204D9E00-66B7-4630-81F8-B784556CA66C}"/>
+              </a:ext>
+            </a:extLst>
+          </p:cNvPr>
+          <p:cNvSpPr txBox="1"/>
+          <p:nvPr/>
+        </p:nvSpPr>
+        <p:spPr>
+          <a:xfrm>
+            <a:off x="2081213" y="1960543"/>
+            <a:ext cx="6696075" cy="954107"/>
+          </a:xfrm>
+          <a:prstGeom prst="rect">
+            <a:avLst/>
+          </a:prstGeom>
+          <a:noFill/>
+        </p:spPr>
+        <p:txBody>
+          <a:bodyPr wrap="square" rtlCol="0">
+            <a:spAutoFit/>
+          </a:bodyPr>
+          <a:lstStyle/>
+          <a:p>
+            <a:r>
+              <a:rPr lang="en-US" sz="2800" dirty="0">
+                <a:cs typeface="Helvetica" panose="020B0604020202020204" pitchFamily="34" charset="0"/>
+              </a:rPr>
+              <a:t>BI tool with limited statistical capabilities:</a:t>
+            </a:r>
+          </a:p>
+          <a:p>
+            <a:r>
+              <a:rPr lang="en-US" sz="2800" dirty="0">
+                <a:cs typeface="Helvetica" panose="020B0604020202020204" pitchFamily="34" charset="0"/>
+              </a:rPr>
+              <a:t>“Sure, we can do AI…”</a:t>
+            </a:r>
+          </a:p>
+        </p:txBody>
+      </p:sp>
+    </p:spTree>
+    <p:extLst>
+      <p:ext uri="{BB962C8B-B14F-4D97-AF65-F5344CB8AC3E}">
+        <p14:creationId xmlns:p14="http://schemas.microsoft.com/office/powerpoint/2010/main" val="2192225411"/>
+      </p:ext>
+    </p:extLst>
+  </p:cSld>
+  <p:clrMapOvr>
+    <a:masterClrMapping/>
+  </p:clrMapOvr>
+</p:sld>
+</file>
+
+<file path=ppt/slides/slide8.xml><?xml version="1.0" encoding="utf-8"?>
+<p:sld xmlns:a="http://schemas.openxmlformats.org/drawingml/2006/main" xmlns:r="http://schemas.openxmlformats.org/officeDocument/2006/relationships" xmlns:p="http://schemas.openxmlformats.org/presentationml/2006/main">
+  <p:cSld>
+    <p:spTree>
+      <p:nvGrpSpPr>
+        <p:cNvPr id="1" name=""/>
+        <p:cNvGrpSpPr/>
+        <p:nvPr/>
+      </p:nvGrpSpPr>
+      <p:grpSpPr>
+        <a:xfrm>
+          <a:off x="0" y="0"/>
+          <a:ext cx="0" cy="0"/>
+          <a:chOff x="0" y="0"/>
+          <a:chExt cx="0" cy="0"/>
+        </a:xfrm>
+      </p:grpSpPr>
+      <p:pic>
+        <p:nvPicPr>
+          <p:cNvPr id="1026" name="Picture 2">
+            <a:extLst>
+              <a:ext uri="{FF2B5EF4-FFF2-40B4-BE49-F238E27FC236}">
+                <a16:creationId xmlns:a16="http://schemas.microsoft.com/office/drawing/2014/main" id="{F3D3F4DA-5177-4E81-A2C2-482398212EBD}"/>
+              </a:ext>
+            </a:extLst>
+          </p:cNvPr>
+          <p:cNvPicPr>
+            <a:picLocks noChangeAspect="1" noChangeArrowheads="1"/>
+          </p:cNvPicPr>
+          <p:nvPr/>
+        </p:nvPicPr>
+        <p:blipFill>
+          <a:blip r:embed="rId2">
+            <a:extLst>
+              <a:ext uri="{28A0092B-C50C-407E-A947-70E740481C1C}">
+                <a14:useLocalDpi xmlns:a14="http://schemas.microsoft.com/office/drawing/2010/main" val="0"/>
+              </a:ext>
+            </a:extLst>
+          </a:blip>
+          <a:srcRect/>
+          <a:stretch>
+            <a:fillRect/>
+          </a:stretch>
+        </p:blipFill>
+        <p:spPr bwMode="auto">
+          <a:xfrm>
+            <a:off x="1433146" y="209306"/>
+            <a:ext cx="4762500" cy="6115050"/>
+          </a:xfrm>
+          <a:prstGeom prst="rect">
+            <a:avLst/>
+          </a:prstGeom>
+          <a:noFill/>
+          <a:extLst>
+            <a:ext uri="{909E8E84-426E-40DD-AFC4-6F175D3DCCD1}">
+              <a14:hiddenFill xmlns:a14="http://schemas.microsoft.com/office/drawing/2010/main">
+                <a:solidFill>
+                  <a:srgbClr val="FFFFFF"/>
+                </a:solidFill>
+              </a14:hiddenFill>
+            </a:ext>
+          </a:extLst>
+        </p:spPr>
+      </p:pic>
+      <p:sp>
+        <p:nvSpPr>
+          <p:cNvPr id="4" name="TextBox 3">
+            <a:extLst>
+              <a:ext uri="{FF2B5EF4-FFF2-40B4-BE49-F238E27FC236}">
+                <a16:creationId xmlns:a16="http://schemas.microsoft.com/office/drawing/2014/main" id="{F3FFEDC5-2C34-4E94-8340-829EB40D3717}"/>
+              </a:ext>
+            </a:extLst>
+          </p:cNvPr>
+          <p:cNvSpPr txBox="1"/>
+          <p:nvPr/>
+        </p:nvSpPr>
+        <p:spPr>
+          <a:xfrm>
+            <a:off x="1433146" y="690033"/>
+            <a:ext cx="4633913" cy="738664"/>
+          </a:xfrm>
+          <a:prstGeom prst="rect">
+            <a:avLst/>
+          </a:prstGeom>
+          <a:noFill/>
+        </p:spPr>
+        <p:txBody>
+          <a:bodyPr wrap="square" rtlCol="0">
+            <a:spAutoFit/>
+          </a:bodyPr>
+          <a:lstStyle/>
+          <a:p>
+            <a:r>
+              <a:rPr lang="en-US" sz="2100" dirty="0">
+                <a:latin typeface="Helvetica" panose="020B0604020202020204" pitchFamily="34" charset="0"/>
+                <a:cs typeface="Helvetica" panose="020B0604020202020204" pitchFamily="34" charset="0"/>
+              </a:rPr>
+              <a:t>When you search online to get help and your own post shows up</a:t>
+            </a:r>
+          </a:p>
+        </p:txBody>
+      </p:sp>
+    </p:spTree>
+    <p:extLst>
+      <p:ext uri="{BB962C8B-B14F-4D97-AF65-F5344CB8AC3E}">
+        <p14:creationId xmlns:p14="http://schemas.microsoft.com/office/powerpoint/2010/main" val="1432574290"/>
+      </p:ext>
+    </p:extLst>
+  </p:cSld>
+  <p:clrMapOvr>
+    <a:masterClrMapping/>
+  </p:clrMapOvr>
+</p:sld>
+</file>
+
 <file path=ppt/theme/theme1.xml><?xml version="1.0" encoding="utf-8"?>
 <a:theme xmlns:a="http://schemas.openxmlformats.org/drawingml/2006/main" name="Office Theme">
   <a:themeElements>

--- a/memes/sources/meme-raw-sources.pptx
+++ b/memes/sources/meme-raw-sources.pptx
@@ -13,6 +13,7 @@
     <p:sldId id="262" r:id="rId7"/>
     <p:sldId id="263" r:id="rId8"/>
     <p:sldId id="264" r:id="rId9"/>
+    <p:sldId id="265" r:id="rId10"/>
   </p:sldIdLst>
   <p:sldSz cx="12192000" cy="6858000"/>
   <p:notesSz cx="6858000" cy="9144000"/>
@@ -266,7 +267,7 @@
           <a:p>
             <a:fld id="{5F79A551-77B6-4CCB-BEF2-70F188A959B6}" type="datetimeFigureOut">
               <a:rPr lang="en-US" smtClean="0"/>
-              <a:t>11/9/2021</a:t>
+              <a:t>11/11/2021</a:t>
             </a:fld>
             <a:endParaRPr lang="en-US"/>
           </a:p>
@@ -464,7 +465,7 @@
           <a:p>
             <a:fld id="{5F79A551-77B6-4CCB-BEF2-70F188A959B6}" type="datetimeFigureOut">
               <a:rPr lang="en-US" smtClean="0"/>
-              <a:t>11/9/2021</a:t>
+              <a:t>11/11/2021</a:t>
             </a:fld>
             <a:endParaRPr lang="en-US"/>
           </a:p>
@@ -672,7 +673,7 @@
           <a:p>
             <a:fld id="{5F79A551-77B6-4CCB-BEF2-70F188A959B6}" type="datetimeFigureOut">
               <a:rPr lang="en-US" smtClean="0"/>
-              <a:t>11/9/2021</a:t>
+              <a:t>11/11/2021</a:t>
             </a:fld>
             <a:endParaRPr lang="en-US"/>
           </a:p>
@@ -870,7 +871,7 @@
           <a:p>
             <a:fld id="{5F79A551-77B6-4CCB-BEF2-70F188A959B6}" type="datetimeFigureOut">
               <a:rPr lang="en-US" smtClean="0"/>
-              <a:t>11/9/2021</a:t>
+              <a:t>11/11/2021</a:t>
             </a:fld>
             <a:endParaRPr lang="en-US"/>
           </a:p>
@@ -1145,7 +1146,7 @@
           <a:p>
             <a:fld id="{5F79A551-77B6-4CCB-BEF2-70F188A959B6}" type="datetimeFigureOut">
               <a:rPr lang="en-US" smtClean="0"/>
-              <a:t>11/9/2021</a:t>
+              <a:t>11/11/2021</a:t>
             </a:fld>
             <a:endParaRPr lang="en-US"/>
           </a:p>
@@ -1410,7 +1411,7 @@
           <a:p>
             <a:fld id="{5F79A551-77B6-4CCB-BEF2-70F188A959B6}" type="datetimeFigureOut">
               <a:rPr lang="en-US" smtClean="0"/>
-              <a:t>11/9/2021</a:t>
+              <a:t>11/11/2021</a:t>
             </a:fld>
             <a:endParaRPr lang="en-US"/>
           </a:p>
@@ -1822,7 +1823,7 @@
           <a:p>
             <a:fld id="{5F79A551-77B6-4CCB-BEF2-70F188A959B6}" type="datetimeFigureOut">
               <a:rPr lang="en-US" smtClean="0"/>
-              <a:t>11/9/2021</a:t>
+              <a:t>11/11/2021</a:t>
             </a:fld>
             <a:endParaRPr lang="en-US"/>
           </a:p>
@@ -1963,7 +1964,7 @@
           <a:p>
             <a:fld id="{5F79A551-77B6-4CCB-BEF2-70F188A959B6}" type="datetimeFigureOut">
               <a:rPr lang="en-US" smtClean="0"/>
-              <a:t>11/9/2021</a:t>
+              <a:t>11/11/2021</a:t>
             </a:fld>
             <a:endParaRPr lang="en-US"/>
           </a:p>
@@ -2076,7 +2077,7 @@
           <a:p>
             <a:fld id="{5F79A551-77B6-4CCB-BEF2-70F188A959B6}" type="datetimeFigureOut">
               <a:rPr lang="en-US" smtClean="0"/>
-              <a:t>11/9/2021</a:t>
+              <a:t>11/11/2021</a:t>
             </a:fld>
             <a:endParaRPr lang="en-US"/>
           </a:p>
@@ -2387,7 +2388,7 @@
           <a:p>
             <a:fld id="{5F79A551-77B6-4CCB-BEF2-70F188A959B6}" type="datetimeFigureOut">
               <a:rPr lang="en-US" smtClean="0"/>
-              <a:t>11/9/2021</a:t>
+              <a:t>11/11/2021</a:t>
             </a:fld>
             <a:endParaRPr lang="en-US"/>
           </a:p>
@@ -2675,7 +2676,7 @@
           <a:p>
             <a:fld id="{5F79A551-77B6-4CCB-BEF2-70F188A959B6}" type="datetimeFigureOut">
               <a:rPr lang="en-US" smtClean="0"/>
-              <a:t>11/9/2021</a:t>
+              <a:t>11/11/2021</a:t>
             </a:fld>
             <a:endParaRPr lang="en-US"/>
           </a:p>
@@ -2916,7 +2917,7 @@
           <a:p>
             <a:fld id="{5F79A551-77B6-4CCB-BEF2-70F188A959B6}" type="datetimeFigureOut">
               <a:rPr lang="en-US" smtClean="0"/>
-              <a:t>11/9/2021</a:t>
+              <a:t>11/11/2021</a:t>
             </a:fld>
             <a:endParaRPr lang="en-US"/>
           </a:p>
@@ -5358,6 +5359,142 @@
 </p:sld>
 </file>
 
+<file path=ppt/slides/slide9.xml><?xml version="1.0" encoding="utf-8"?>
+<p:sld xmlns:a="http://schemas.openxmlformats.org/drawingml/2006/main" xmlns:r="http://schemas.openxmlformats.org/officeDocument/2006/relationships" xmlns:p="http://schemas.openxmlformats.org/presentationml/2006/main">
+  <p:cSld>
+    <p:spTree>
+      <p:nvGrpSpPr>
+        <p:cNvPr id="1" name=""/>
+        <p:cNvGrpSpPr/>
+        <p:nvPr/>
+      </p:nvGrpSpPr>
+      <p:grpSpPr>
+        <a:xfrm>
+          <a:off x="0" y="0"/>
+          <a:ext cx="0" cy="0"/>
+          <a:chOff x="0" y="0"/>
+          <a:chExt cx="0" cy="0"/>
+        </a:xfrm>
+      </p:grpSpPr>
+      <p:pic>
+        <p:nvPicPr>
+          <p:cNvPr id="2" name="Picture 1">
+            <a:extLst>
+              <a:ext uri="{FF2B5EF4-FFF2-40B4-BE49-F238E27FC236}">
+                <a16:creationId xmlns:a16="http://schemas.microsoft.com/office/drawing/2014/main" id="{E27EACF8-149A-4996-BC24-612F46B8B9F5}"/>
+              </a:ext>
+            </a:extLst>
+          </p:cNvPr>
+          <p:cNvPicPr>
+            <a:picLocks noChangeAspect="1"/>
+          </p:cNvPicPr>
+          <p:nvPr/>
+        </p:nvPicPr>
+        <p:blipFill>
+          <a:blip r:embed="rId2"/>
+          <a:stretch>
+            <a:fillRect/>
+          </a:stretch>
+        </p:blipFill>
+        <p:spPr>
+          <a:xfrm>
+            <a:off x="1071584" y="551297"/>
+            <a:ext cx="6096000" cy="5238750"/>
+          </a:xfrm>
+          <a:prstGeom prst="rect">
+            <a:avLst/>
+          </a:prstGeom>
+        </p:spPr>
+      </p:pic>
+      <p:sp>
+        <p:nvSpPr>
+          <p:cNvPr id="3" name="TextBox 2">
+            <a:extLst>
+              <a:ext uri="{FF2B5EF4-FFF2-40B4-BE49-F238E27FC236}">
+                <a16:creationId xmlns:a16="http://schemas.microsoft.com/office/drawing/2014/main" id="{C6147A90-064C-4AA4-95BB-B6A8F4028AB2}"/>
+              </a:ext>
+            </a:extLst>
+          </p:cNvPr>
+          <p:cNvSpPr txBox="1"/>
+          <p:nvPr/>
+        </p:nvSpPr>
+        <p:spPr>
+          <a:xfrm>
+            <a:off x="4391025" y="771525"/>
+            <a:ext cx="1881188" cy="1200329"/>
+          </a:xfrm>
+          <a:prstGeom prst="rect">
+            <a:avLst/>
+          </a:prstGeom>
+          <a:noFill/>
+        </p:spPr>
+        <p:txBody>
+          <a:bodyPr wrap="square" rtlCol="0">
+            <a:spAutoFit/>
+          </a:bodyPr>
+          <a:lstStyle/>
+          <a:p>
+            <a:r>
+              <a:rPr lang="en-US" sz="2400" dirty="0">
+                <a:latin typeface="Helvetica" panose="020B0604020202020204" pitchFamily="34" charset="0"/>
+                <a:cs typeface="Helvetica" panose="020B0604020202020204" pitchFamily="34" charset="0"/>
+              </a:rPr>
+              <a:t>Working on a business project</a:t>
+            </a:r>
+          </a:p>
+        </p:txBody>
+      </p:sp>
+      <p:sp>
+        <p:nvSpPr>
+          <p:cNvPr id="6" name="TextBox 5">
+            <a:extLst>
+              <a:ext uri="{FF2B5EF4-FFF2-40B4-BE49-F238E27FC236}">
+                <a16:creationId xmlns:a16="http://schemas.microsoft.com/office/drawing/2014/main" id="{FEA04A65-A8BD-4E91-9751-5EDC473A9767}"/>
+              </a:ext>
+            </a:extLst>
+          </p:cNvPr>
+          <p:cNvSpPr txBox="1"/>
+          <p:nvPr/>
+        </p:nvSpPr>
+        <p:spPr>
+          <a:xfrm>
+            <a:off x="4428611" y="3560513"/>
+            <a:ext cx="2349429" cy="1938992"/>
+          </a:xfrm>
+          <a:prstGeom prst="rect">
+            <a:avLst/>
+          </a:prstGeom>
+          <a:noFill/>
+        </p:spPr>
+        <p:txBody>
+          <a:bodyPr wrap="square" rtlCol="0">
+            <a:spAutoFit/>
+          </a:bodyPr>
+          <a:lstStyle/>
+          <a:p>
+            <a:r>
+              <a:rPr lang="en-US" sz="2400" dirty="0">
+                <a:latin typeface="Helvetica" panose="020B0604020202020204" pitchFamily="34" charset="0"/>
+                <a:cs typeface="Helvetica" panose="020B0604020202020204" pitchFamily="34" charset="0"/>
+              </a:rPr>
+              <a:t>Working on a business project with an upcoming deadline</a:t>
+            </a:r>
+          </a:p>
+        </p:txBody>
+      </p:sp>
+    </p:spTree>
+    <p:extLst>
+      <p:ext uri="{BB962C8B-B14F-4D97-AF65-F5344CB8AC3E}">
+        <p14:creationId xmlns:p14="http://schemas.microsoft.com/office/powerpoint/2010/main" val="1573532837"/>
+      </p:ext>
+    </p:extLst>
+  </p:cSld>
+  <p:clrMapOvr>
+    <a:masterClrMapping/>
+  </p:clrMapOvr>
+</p:sld>
+</file>
+
 <file path=ppt/theme/theme1.xml><?xml version="1.0" encoding="utf-8"?>
 <a:theme xmlns:a="http://schemas.openxmlformats.org/drawingml/2006/main" name="Office Theme">
   <a:themeElements>
